--- a/2021_Reports/Lab_Report/2021-12-3/2021-12-3.pptx
+++ b/2021_Reports/Lab_Report/2021-12-3/2021-12-3.pptx
@@ -17,6 +17,8 @@
     <p:sldId id="548" r:id="rId10"/>
     <p:sldId id="549" r:id="rId11"/>
     <p:sldId id="550" r:id="rId12"/>
+    <p:sldId id="553" r:id="rId13"/>
+    <p:sldId id="552" r:id="rId14"/>
   </p:sldIdLst>
   <p:sldSz cx="12192000" cy="6858000"/>
   <p:notesSz cx="6858000" cy="9144000"/>
@@ -44162,6 +44164,341 @@
 </p:sld>
 </file>
 
+<file path=ppt/slides/slide10.xml><?xml version="1.0" encoding="utf-8"?>
+<p:sld xmlns:a="http://schemas.openxmlformats.org/drawingml/2006/main" xmlns:r="http://schemas.openxmlformats.org/officeDocument/2006/relationships" xmlns:p="http://schemas.openxmlformats.org/presentationml/2006/main">
+  <p:cSld>
+    <p:spTree>
+      <p:nvGrpSpPr>
+        <p:cNvPr id="1" name=""/>
+        <p:cNvGrpSpPr/>
+        <p:nvPr/>
+      </p:nvGrpSpPr>
+      <p:grpSpPr/>
+      <p:sp>
+        <p:nvSpPr>
+          <p:cNvPr id="2" name="标题 1"/>
+          <p:cNvSpPr>
+            <a:spLocks noGrp="1"/>
+          </p:cNvSpPr>
+          <p:nvPr>
+            <p:ph type="title"/>
+          </p:nvPr>
+        </p:nvSpPr>
+        <p:spPr/>
+        <p:txBody>
+          <a:bodyPr/>
+          <a:p>
+            <a:endParaRPr lang="zh-CN" altLang="en-US" sz="3200" b="1"/>
+          </a:p>
+        </p:txBody>
+      </p:sp>
+      <p:sp>
+        <p:nvSpPr>
+          <p:cNvPr id="4" name="灯片编号占位符 3"/>
+          <p:cNvSpPr>
+            <a:spLocks noGrp="1"/>
+          </p:cNvSpPr>
+          <p:nvPr>
+            <p:ph type="sldNum" sz="quarter" idx="12"/>
+          </p:nvPr>
+        </p:nvSpPr>
+        <p:spPr/>
+        <p:txBody>
+          <a:bodyPr/>
+          <a:p>
+            <a:fld id="{89DB14B3-731A-4352-BC82-B1993596BD11}" type="slidenum">
+              <a:rPr lang="zh-CN" altLang="en-US" smtClean="0"/>
+            </a:fld>
+            <a:endParaRPr lang="zh-CN" altLang="en-US" dirty="0"/>
+          </a:p>
+        </p:txBody>
+      </p:sp>
+      <p:graphicFrame>
+        <p:nvGraphicFramePr>
+          <p:cNvPr id="5" name="表格 4"/>
+          <p:cNvGraphicFramePr/>
+          <p:nvPr/>
+        </p:nvGraphicFramePr>
+        <p:xfrm>
+          <a:off x="2915285" y="2644775"/>
+          <a:ext cx="8534400" cy="1905000"/>
+        </p:xfrm>
+        <a:graphic>
+          <a:graphicData uri="http://schemas.openxmlformats.org/drawingml/2006/table">
+            <a:tbl>
+              <a:tblPr firstRow="1" bandRow="1">
+                <a:tableStyleId>{5C22544A-7EE6-4342-B048-85BDC9FD1C3A}</a:tableStyleId>
+              </a:tblPr>
+              <a:tblGrid>
+                <a:gridCol w="2133600"/>
+                <a:gridCol w="2133600"/>
+                <a:gridCol w="2093595"/>
+              </a:tblGrid>
+              <a:tr h="381000">
+                <a:tc>
+                  <a:txBody>
+                    <a:bodyPr/>
+                    <a:p>
+                      <a:pPr>
+                        <a:buNone/>
+                      </a:pPr>
+                      <a:r>
+                        <a:rPr lang="en-US" altLang="zh-CN"/>
+                        <a:t>target</a:t>
+                      </a:r>
+                      <a:endParaRPr lang="zh-CN" altLang="en-US"/>
+                    </a:p>
+                  </a:txBody>
+                  <a:tcPr/>
+                </a:tc>
+                <a:tc>
+                  <a:txBody>
+                    <a:bodyPr/>
+                    <a:p>
+                      <a:pPr>
+                        <a:buNone/>
+                      </a:pPr>
+                      <a:r>
+                        <a:rPr lang="en-US" altLang="zh-CN"/>
+                        <a:t>NN</a:t>
+                      </a:r>
+                      <a:endParaRPr lang="en-US" altLang="zh-CN"/>
+                    </a:p>
+                  </a:txBody>
+                  <a:tcPr/>
+                </a:tc>
+                <a:tc>
+                  <a:txBody>
+                    <a:bodyPr/>
+                    <a:p>
+                      <a:pPr>
+                        <a:buNone/>
+                      </a:pPr>
+                      <a:r>
+                        <a:rPr lang="en-US" altLang="zh-CN"/>
+                        <a:t>SVR</a:t>
+                      </a:r>
+                      <a:endParaRPr lang="en-US" altLang="zh-CN"/>
+                    </a:p>
+                  </a:txBody>
+                  <a:tcPr/>
+                </a:tc>
+              </a:tr>
+              <a:tr h="381000">
+                <a:tc>
+                  <a:txBody>
+                    <a:bodyPr/>
+                    <a:p>
+                      <a:pPr>
+                        <a:buNone/>
+                      </a:pPr>
+                      <a:r>
+                        <a:rPr lang="zh-CN" altLang="en-US"/>
+                        <a:t>屈服强度</a:t>
+                      </a:r>
+                      <a:endParaRPr lang="zh-CN" altLang="en-US"/>
+                    </a:p>
+                  </a:txBody>
+                  <a:tcPr/>
+                </a:tc>
+                <a:tc>
+                  <a:txBody>
+                    <a:bodyPr/>
+                    <a:p>
+                      <a:pPr>
+                        <a:buNone/>
+                      </a:pPr>
+                      <a:r>
+                        <a:rPr lang="zh-CN" altLang="en-US"/>
+                        <a:t>0.9112121255040538</a:t>
+                      </a:r>
+                      <a:endParaRPr lang="zh-CN" altLang="en-US"/>
+                    </a:p>
+                  </a:txBody>
+                  <a:tcPr/>
+                </a:tc>
+                <a:tc>
+                  <a:txBody>
+                    <a:bodyPr/>
+                    <a:p>
+                      <a:pPr>
+                        <a:buNone/>
+                      </a:pPr>
+                      <a:r>
+                        <a:rPr lang="zh-CN" altLang="en-US"/>
+                        <a:t>0.9601137238797062</a:t>
+                      </a:r>
+                      <a:endParaRPr lang="zh-CN" altLang="en-US"/>
+                    </a:p>
+                  </a:txBody>
+                  <a:tcPr/>
+                </a:tc>
+              </a:tr>
+              <a:tr h="381000">
+                <a:tc>
+                  <a:txBody>
+                    <a:bodyPr/>
+                    <a:p>
+                      <a:pPr>
+                        <a:buNone/>
+                      </a:pPr>
+                      <a:r>
+                        <a:rPr lang="zh-CN" altLang="en-US"/>
+                        <a:t>延伸率</a:t>
+                      </a:r>
+                      <a:endParaRPr lang="zh-CN" altLang="en-US"/>
+                    </a:p>
+                  </a:txBody>
+                  <a:tcPr/>
+                </a:tc>
+                <a:tc>
+                  <a:txBody>
+                    <a:bodyPr/>
+                    <a:p>
+                      <a:pPr>
+                        <a:buNone/>
+                      </a:pPr>
+                      <a:r>
+                        <a:rPr lang="zh-CN" altLang="en-US"/>
+                        <a:t>0.91055924545526</a:t>
+                      </a:r>
+                      <a:endParaRPr lang="zh-CN" altLang="en-US"/>
+                    </a:p>
+                  </a:txBody>
+                  <a:tcPr/>
+                </a:tc>
+                <a:tc>
+                  <a:txBody>
+                    <a:bodyPr/>
+                    <a:p>
+                      <a:pPr>
+                        <a:buNone/>
+                      </a:pPr>
+                      <a:r>
+                        <a:rPr lang="zh-CN" altLang="en-US"/>
+                        <a:t>0.9623714430748136</a:t>
+                      </a:r>
+                      <a:endParaRPr lang="zh-CN" altLang="en-US"/>
+                    </a:p>
+                  </a:txBody>
+                  <a:tcPr/>
+                </a:tc>
+              </a:tr>
+              <a:tr h="381000">
+                <a:tc>
+                  <a:txBody>
+                    <a:bodyPr/>
+                    <a:p>
+                      <a:pPr>
+                        <a:buNone/>
+                      </a:pPr>
+                      <a:r>
+                        <a:rPr lang="zh-CN" altLang="en-US"/>
+                        <a:t>抗拉强度</a:t>
+                      </a:r>
+                      <a:endParaRPr lang="zh-CN" altLang="en-US"/>
+                    </a:p>
+                  </a:txBody>
+                  <a:tcPr/>
+                </a:tc>
+                <a:tc>
+                  <a:txBody>
+                    <a:bodyPr/>
+                    <a:p>
+                      <a:pPr>
+                        <a:buNone/>
+                      </a:pPr>
+                      <a:r>
+                        <a:rPr lang="zh-CN" altLang="en-US"/>
+                        <a:t>0.8793068563236458</a:t>
+                      </a:r>
+                      <a:endParaRPr lang="zh-CN" altLang="en-US"/>
+                    </a:p>
+                  </a:txBody>
+                  <a:tcPr/>
+                </a:tc>
+                <a:tc>
+                  <a:txBody>
+                    <a:bodyPr/>
+                    <a:p>
+                      <a:pPr>
+                        <a:buNone/>
+                      </a:pPr>
+                      <a:r>
+                        <a:rPr lang="zh-CN" altLang="en-US"/>
+                        <a:t>0.8348637394219788</a:t>
+                      </a:r>
+                      <a:endParaRPr lang="zh-CN" altLang="en-US"/>
+                    </a:p>
+                  </a:txBody>
+                  <a:tcPr/>
+                </a:tc>
+              </a:tr>
+              <a:tr h="381000">
+                <a:tc>
+                  <a:txBody>
+                    <a:bodyPr/>
+                    <a:p>
+                      <a:pPr>
+                        <a:buNone/>
+                      </a:pPr>
+                      <a:r>
+                        <a:rPr lang="zh-CN" altLang="en-US"/>
+                        <a:t>断面收缩率</a:t>
+                      </a:r>
+                      <a:endParaRPr lang="zh-CN" altLang="en-US"/>
+                    </a:p>
+                  </a:txBody>
+                  <a:tcPr/>
+                </a:tc>
+                <a:tc>
+                  <a:txBody>
+                    <a:bodyPr/>
+                    <a:p>
+                      <a:pPr>
+                        <a:buNone/>
+                      </a:pPr>
+                      <a:r>
+                        <a:rPr lang="zh-CN" altLang="en-US"/>
+                        <a:t>0.6014997183504696</a:t>
+                      </a:r>
+                      <a:endParaRPr lang="zh-CN" altLang="en-US"/>
+                    </a:p>
+                  </a:txBody>
+                  <a:tcPr/>
+                </a:tc>
+                <a:tc>
+                  <a:txBody>
+                    <a:bodyPr/>
+                    <a:p>
+                      <a:pPr>
+                        <a:buNone/>
+                      </a:pPr>
+                      <a:r>
+                        <a:rPr lang="zh-CN" altLang="en-US"/>
+                        <a:t>0.3819611362875961</a:t>
+                      </a:r>
+                      <a:endParaRPr lang="zh-CN" altLang="en-US"/>
+                    </a:p>
+                  </a:txBody>
+                  <a:tcPr/>
+                </a:tc>
+              </a:tr>
+            </a:tbl>
+          </a:graphicData>
+        </a:graphic>
+      </p:graphicFrame>
+    </p:spTree>
+  </p:cSld>
+  <p:clrMapOvr>
+    <a:masterClrMapping/>
+  </p:clrMapOvr>
+  <p:transition spd="med">
+    <p:cut/>
+  </p:transition>
+</p:sld>
+</file>
+
 <file path=ppt/slides/slide2.xml><?xml version="1.0" encoding="utf-8"?>
 <p:sld xmlns:a="http://schemas.openxmlformats.org/drawingml/2006/main" xmlns:r="http://schemas.openxmlformats.org/officeDocument/2006/relationships" xmlns:p="http://schemas.openxmlformats.org/presentationml/2006/main">
   <p:cSld>
@@ -47035,14 +47372,10 @@
           <a:bodyPr/>
           <a:p>
             <a:r>
-              <a:rPr lang="en-US" altLang="zh-CN" sz="2800" b="1"/>
-              <a:t>Target</a:t>
+              <a:rPr lang="zh-CN" sz="2800" b="1"/>
+              <a:t>疲劳数据</a:t>
             </a:r>
-            <a:r>
-              <a:rPr lang="zh-CN" altLang="en-US" sz="2800" b="1"/>
-              <a:t>归一化实验结果</a:t>
-            </a:r>
-            <a:endParaRPr lang="zh-CN" altLang="en-US" sz="2800" b="1"/>
+            <a:endParaRPr lang="zh-CN" sz="2800" b="1"/>
           </a:p>
         </p:txBody>
       </p:sp>
@@ -49102,6 +49435,1074 @@
 </p:sld>
 </file>
 
+<file path=ppt/slides/slide9.xml><?xml version="1.0" encoding="utf-8"?>
+<p:sld xmlns:a="http://schemas.openxmlformats.org/drawingml/2006/main" xmlns:r="http://schemas.openxmlformats.org/officeDocument/2006/relationships" xmlns:p="http://schemas.openxmlformats.org/presentationml/2006/main">
+  <p:cSld>
+    <p:spTree>
+      <p:nvGrpSpPr>
+        <p:cNvPr id="1" name=""/>
+        <p:cNvGrpSpPr/>
+        <p:nvPr/>
+      </p:nvGrpSpPr>
+      <p:grpSpPr/>
+      <p:sp>
+        <p:nvSpPr>
+          <p:cNvPr id="2" name="标题 1"/>
+          <p:cNvSpPr>
+            <a:spLocks noGrp="1"/>
+          </p:cNvSpPr>
+          <p:nvPr>
+            <p:ph type="title"/>
+          </p:nvPr>
+        </p:nvSpPr>
+        <p:spPr/>
+        <p:txBody>
+          <a:bodyPr/>
+          <a:p>
+            <a:r>
+              <a:rPr lang="zh-CN" altLang="en-US" sz="3200" b="1"/>
+              <a:t>非晶合金数据</a:t>
+            </a:r>
+            <a:endParaRPr lang="zh-CN" altLang="en-US" sz="3200" b="1"/>
+          </a:p>
+        </p:txBody>
+      </p:sp>
+      <p:sp>
+        <p:nvSpPr>
+          <p:cNvPr id="4" name="灯片编号占位符 3"/>
+          <p:cNvSpPr>
+            <a:spLocks noGrp="1"/>
+          </p:cNvSpPr>
+          <p:nvPr>
+            <p:ph type="sldNum" sz="quarter" idx="12"/>
+          </p:nvPr>
+        </p:nvSpPr>
+        <p:spPr/>
+        <p:txBody>
+          <a:bodyPr/>
+          <a:p>
+            <a:fld id="{89DB14B3-731A-4352-BC82-B1993596BD11}" type="slidenum">
+              <a:rPr lang="zh-CN" altLang="en-US" smtClean="0"/>
+            </a:fld>
+            <a:endParaRPr lang="zh-CN" altLang="en-US" dirty="0"/>
+          </a:p>
+        </p:txBody>
+      </p:sp>
+      <p:graphicFrame>
+        <p:nvGraphicFramePr>
+          <p:cNvPr id="5" name="表格 4"/>
+          <p:cNvGraphicFramePr/>
+          <p:nvPr/>
+        </p:nvGraphicFramePr>
+        <p:xfrm>
+          <a:off x="807085" y="1353820"/>
+          <a:ext cx="9832975" cy="4409440"/>
+        </p:xfrm>
+        <a:graphic>
+          <a:graphicData uri="http://schemas.openxmlformats.org/drawingml/2006/table">
+            <a:tbl>
+              <a:tblPr firstRow="1" bandRow="1">
+                <a:tableStyleId>{B301B821-A1FF-4177-AEE7-76D212191A09}</a:tableStyleId>
+              </a:tblPr>
+              <a:tblGrid>
+                <a:gridCol w="1638300"/>
+                <a:gridCol w="1638300"/>
+                <a:gridCol w="1638300"/>
+                <a:gridCol w="1638300"/>
+                <a:gridCol w="1638300"/>
+                <a:gridCol w="1641475"/>
+              </a:tblGrid>
+              <a:tr h="475615">
+                <a:tc>
+                  <a:txBody>
+                    <a:bodyPr/>
+                    <a:p>
+                      <a:pPr indent="0" algn="ctr">
+                        <a:buNone/>
+                      </a:pPr>
+                      <a:r>
+                        <a:rPr lang="en-US" sz="1400"/>
+                        <a:t>特征</a:t>
+                      </a:r>
+                      <a:endParaRPr lang="en-US" altLang="en-US" sz="1400"/>
+                    </a:p>
+                  </a:txBody>
+                  <a:tcPr marL="68580" marR="68580" marT="0" marB="0" vert="horz" anchor="ctr" anchorCtr="0"/>
+                </a:tc>
+                <a:tc>
+                  <a:txBody>
+                    <a:bodyPr/>
+                    <a:p>
+                      <a:pPr indent="0" algn="ctr">
+                        <a:buNone/>
+                      </a:pPr>
+                      <a:r>
+                        <a:rPr lang="en-US" sz="1400"/>
+                        <a:t>类别</a:t>
+                      </a:r>
+                      <a:endParaRPr lang="en-US" altLang="en-US" sz="1400"/>
+                    </a:p>
+                  </a:txBody>
+                  <a:tcPr marL="68580" marR="68580" marT="0" marB="0" vert="horz" anchor="ctr" anchorCtr="0"/>
+                </a:tc>
+                <a:tc>
+                  <a:txBody>
+                    <a:bodyPr/>
+                    <a:p>
+                      <a:pPr indent="0" algn="ctr">
+                        <a:buNone/>
+                      </a:pPr>
+                      <a:r>
+                        <a:rPr lang="en-US" sz="1400"/>
+                        <a:t>精度</a:t>
+                      </a:r>
+                      <a:endParaRPr lang="en-US" altLang="en-US" sz="1400"/>
+                    </a:p>
+                  </a:txBody>
+                  <a:tcPr marL="68580" marR="68580" marT="0" marB="0" vert="horz" anchor="ctr" anchorCtr="0"/>
+                </a:tc>
+                <a:tc>
+                  <a:txBody>
+                    <a:bodyPr/>
+                    <a:p>
+                      <a:pPr indent="0" algn="ctr">
+                        <a:buNone/>
+                      </a:pPr>
+                      <a:r>
+                        <a:rPr lang="en-US" sz="1400"/>
+                        <a:t>召回率</a:t>
+                      </a:r>
+                      <a:endParaRPr lang="en-US" altLang="en-US" sz="1400"/>
+                    </a:p>
+                  </a:txBody>
+                  <a:tcPr marL="68580" marR="68580" marT="0" marB="0" vert="horz" anchor="ctr" anchorCtr="0"/>
+                </a:tc>
+                <a:tc>
+                  <a:txBody>
+                    <a:bodyPr/>
+                    <a:p>
+                      <a:pPr indent="0" algn="ctr">
+                        <a:buNone/>
+                      </a:pPr>
+                      <a:r>
+                        <a:rPr lang="en-US" sz="1400"/>
+                        <a:t>F1-score</a:t>
+                      </a:r>
+                      <a:endParaRPr lang="en-US" altLang="en-US" sz="1400"/>
+                    </a:p>
+                  </a:txBody>
+                  <a:tcPr marL="68580" marR="68580" marT="0" marB="0" vert="horz" anchor="ctr" anchorCtr="0"/>
+                </a:tc>
+                <a:tc>
+                  <a:txBody>
+                    <a:bodyPr/>
+                    <a:p>
+                      <a:pPr indent="0" algn="ctr">
+                        <a:buNone/>
+                      </a:pPr>
+                      <a:r>
+                        <a:rPr lang="en-US" sz="1400"/>
+                        <a:t>样本数</a:t>
+                      </a:r>
+                      <a:endParaRPr lang="en-US" altLang="en-US" sz="1400"/>
+                    </a:p>
+                  </a:txBody>
+                  <a:tcPr marL="68580" marR="68580" marT="0" marB="0" vert="horz" anchor="ctr" anchorCtr="0"/>
+                </a:tc>
+              </a:tr>
+              <a:tr h="444500">
+                <a:tc rowSpan="3">
+                  <a:txBody>
+                    <a:bodyPr/>
+                    <a:p>
+                      <a:pPr indent="0" algn="ctr">
+                        <a:buNone/>
+                      </a:pPr>
+                      <a:r>
+                        <a:rPr lang="en-US" altLang="zh-CN" sz="1400">
+                          <a:sym typeface="Arial" panose="02080604020202020204" pitchFamily="34" charset="0"/>
+                        </a:rPr>
+                        <a:t>纯数值特征</a:t>
+                      </a:r>
+                      <a:endParaRPr lang="en-US" sz="1400"/>
+                    </a:p>
+                  </a:txBody>
+                  <a:tcPr marL="68580" marR="68580" marT="0" marB="0" vert="horz" anchor="ctr" anchorCtr="0"/>
+                </a:tc>
+                <a:tc>
+                  <a:txBody>
+                    <a:bodyPr/>
+                    <a:p>
+                      <a:pPr indent="0" algn="ctr">
+                        <a:buNone/>
+                      </a:pPr>
+                      <a:r>
+                        <a:rPr lang="en-US" sz="1400"/>
+                        <a:t>BMG</a:t>
+                      </a:r>
+                      <a:endParaRPr lang="en-US" altLang="en-US" sz="1400"/>
+                    </a:p>
+                  </a:txBody>
+                  <a:tcPr marL="68580" marR="68580" marT="0" marB="0" vert="horz" anchor="ctr" anchorCtr="0"/>
+                </a:tc>
+                <a:tc>
+                  <a:txBody>
+                    <a:bodyPr/>
+                    <a:p>
+                      <a:pPr indent="0" algn="ctr">
+                        <a:buNone/>
+                      </a:pPr>
+                      <a:r>
+                        <a:rPr lang="en-US" sz="1400"/>
+                        <a:t>0.8119</a:t>
+                      </a:r>
+                      <a:endParaRPr lang="en-US" altLang="en-US" sz="1400"/>
+                    </a:p>
+                  </a:txBody>
+                  <a:tcPr marL="68580" marR="68580" marT="0" marB="0" vert="horz" anchor="ctr" anchorCtr="0"/>
+                </a:tc>
+                <a:tc>
+                  <a:txBody>
+                    <a:bodyPr/>
+                    <a:p>
+                      <a:pPr indent="0" algn="ctr">
+                        <a:buNone/>
+                      </a:pPr>
+                      <a:r>
+                        <a:rPr lang="en-US" sz="1400"/>
+                        <a:t>0.4767</a:t>
+                      </a:r>
+                      <a:endParaRPr lang="en-US" altLang="en-US" sz="1400"/>
+                    </a:p>
+                  </a:txBody>
+                  <a:tcPr marL="68580" marR="68580" marT="0" marB="0" vert="horz" anchor="ctr" anchorCtr="0"/>
+                </a:tc>
+                <a:tc>
+                  <a:txBody>
+                    <a:bodyPr/>
+                    <a:p>
+                      <a:pPr indent="0" algn="ctr">
+                        <a:buNone/>
+                      </a:pPr>
+                      <a:r>
+                        <a:rPr lang="en-US" sz="1400"/>
+                        <a:t>0.5846</a:t>
+                      </a:r>
+                      <a:endParaRPr lang="en-US" altLang="en-US" sz="1400"/>
+                    </a:p>
+                  </a:txBody>
+                  <a:tcPr marL="68580" marR="68580" marT="0" marB="0" vert="horz" anchor="ctr" anchorCtr="0"/>
+                </a:tc>
+                <a:tc>
+                  <a:txBody>
+                    <a:bodyPr/>
+                    <a:p>
+                      <a:pPr indent="0" algn="ctr">
+                        <a:buNone/>
+                      </a:pPr>
+                      <a:r>
+                        <a:rPr lang="en-US" sz="1400"/>
+                        <a:t>208</a:t>
+                      </a:r>
+                      <a:endParaRPr lang="en-US" altLang="en-US" sz="1400"/>
+                    </a:p>
+                  </a:txBody>
+                  <a:tcPr marL="68580" marR="68580" marT="0" marB="0" vert="horz" anchor="ctr" anchorCtr="0"/>
+                </a:tc>
+              </a:tr>
+              <a:tr h="443865">
+                <a:tc vMerge="1">
+                  <a:tcPr marL="68580" marR="68580" marT="0" marB="0" vert="horz" anchor="ctr" anchorCtr="0"/>
+                </a:tc>
+                <a:tc>
+                  <a:txBody>
+                    <a:bodyPr/>
+                    <a:p>
+                      <a:pPr indent="0" algn="ctr">
+                        <a:buNone/>
+                      </a:pPr>
+                      <a:r>
+                        <a:rPr lang="en-US" sz="1400"/>
+                        <a:t>RMG</a:t>
+                      </a:r>
+                      <a:endParaRPr lang="en-US" altLang="en-US" sz="1400"/>
+                    </a:p>
+                  </a:txBody>
+                  <a:tcPr marL="68580" marR="68580" marT="0" marB="0" vert="horz" anchor="ctr" anchorCtr="0"/>
+                </a:tc>
+                <a:tc>
+                  <a:txBody>
+                    <a:bodyPr/>
+                    <a:p>
+                      <a:pPr indent="0" algn="ctr">
+                        <a:buNone/>
+                      </a:pPr>
+                      <a:r>
+                        <a:rPr lang="en-US" sz="1400"/>
+                        <a:t>0.7977</a:t>
+                      </a:r>
+                      <a:endParaRPr lang="en-US" altLang="en-US" sz="1400"/>
+                    </a:p>
+                  </a:txBody>
+                  <a:tcPr marL="68580" marR="68580" marT="0" marB="0" vert="horz" anchor="ctr" anchorCtr="0"/>
+                </a:tc>
+                <a:tc>
+                  <a:txBody>
+                    <a:bodyPr/>
+                    <a:p>
+                      <a:pPr indent="0" algn="ctr">
+                        <a:buNone/>
+                      </a:pPr>
+                      <a:r>
+                        <a:rPr lang="en-US" sz="1400"/>
+                        <a:t>0.9121</a:t>
+                      </a:r>
+                      <a:endParaRPr lang="en-US" altLang="en-US" sz="1400"/>
+                    </a:p>
+                  </a:txBody>
+                  <a:tcPr marL="68580" marR="68580" marT="0" marB="0" vert="horz" anchor="ctr" anchorCtr="0"/>
+                </a:tc>
+                <a:tc>
+                  <a:txBody>
+                    <a:bodyPr/>
+                    <a:p>
+                      <a:pPr indent="0" algn="ctr">
+                        <a:buNone/>
+                      </a:pPr>
+                      <a:r>
+                        <a:rPr lang="en-US" sz="1400"/>
+                        <a:t>0.8511</a:t>
+                      </a:r>
+                      <a:endParaRPr lang="en-US" altLang="en-US" sz="1400"/>
+                    </a:p>
+                  </a:txBody>
+                  <a:tcPr marL="68580" marR="68580" marT="0" marB="0" vert="horz" anchor="ctr" anchorCtr="0"/>
+                </a:tc>
+                <a:tc>
+                  <a:txBody>
+                    <a:bodyPr/>
+                    <a:p>
+                      <a:pPr indent="0" algn="ctr">
+                        <a:buNone/>
+                      </a:pPr>
+                      <a:r>
+                        <a:rPr lang="en-US" sz="1400"/>
+                        <a:t>1241</a:t>
+                      </a:r>
+                      <a:endParaRPr lang="en-US" altLang="en-US" sz="1400"/>
+                    </a:p>
+                  </a:txBody>
+                  <a:tcPr marL="68580" marR="68580" marT="0" marB="0" vert="horz" anchor="ctr" anchorCtr="0"/>
+                </a:tc>
+              </a:tr>
+              <a:tr h="443865">
+                <a:tc vMerge="1">
+                  <a:tcPr marL="68580" marR="68580" marT="0" marB="0" vert="horz" anchor="ctr" anchorCtr="0"/>
+                </a:tc>
+                <a:tc>
+                  <a:txBody>
+                    <a:bodyPr/>
+                    <a:p>
+                      <a:pPr indent="0" algn="ctr">
+                        <a:buNone/>
+                      </a:pPr>
+                      <a:r>
+                        <a:rPr lang="en-US" sz="1400"/>
+                        <a:t>CRA</a:t>
+                      </a:r>
+                      <a:endParaRPr lang="en-US" altLang="en-US" sz="1400"/>
+                    </a:p>
+                  </a:txBody>
+                  <a:tcPr marL="68580" marR="68580" marT="0" marB="0" vert="horz" anchor="ctr" anchorCtr="0"/>
+                </a:tc>
+                <a:tc>
+                  <a:txBody>
+                    <a:bodyPr/>
+                    <a:p>
+                      <a:pPr indent="0" algn="ctr">
+                        <a:buNone/>
+                      </a:pPr>
+                      <a:r>
+                        <a:rPr lang="en-US" sz="1400"/>
+                        <a:t>0.7423</a:t>
+                      </a:r>
+                      <a:endParaRPr lang="en-US" altLang="en-US" sz="1400"/>
+                    </a:p>
+                  </a:txBody>
+                  <a:tcPr marL="68580" marR="68580" marT="0" marB="0" vert="horz" anchor="ctr" anchorCtr="0"/>
+                </a:tc>
+                <a:tc>
+                  <a:txBody>
+                    <a:bodyPr/>
+                    <a:p>
+                      <a:pPr indent="0" algn="ctr">
+                        <a:buNone/>
+                      </a:pPr>
+                      <a:r>
+                        <a:rPr lang="en-US" sz="1400"/>
+                        <a:t>0.6156</a:t>
+                      </a:r>
+                      <a:endParaRPr lang="en-US" altLang="en-US" sz="1400"/>
+                    </a:p>
+                  </a:txBody>
+                  <a:tcPr marL="68580" marR="68580" marT="0" marB="0" vert="horz" anchor="ctr" anchorCtr="0"/>
+                </a:tc>
+                <a:tc>
+                  <a:txBody>
+                    <a:bodyPr/>
+                    <a:p>
+                      <a:pPr indent="0" algn="ctr">
+                        <a:buNone/>
+                      </a:pPr>
+                      <a:r>
+                        <a:rPr lang="en-US" sz="1400"/>
+                        <a:t>0.6730</a:t>
+                      </a:r>
+                      <a:endParaRPr lang="en-US" altLang="en-US" sz="1400"/>
+                    </a:p>
+                  </a:txBody>
+                  <a:tcPr marL="68580" marR="68580" marT="0" marB="0" vert="horz" anchor="ctr" anchorCtr="0"/>
+                </a:tc>
+                <a:tc>
+                  <a:txBody>
+                    <a:bodyPr/>
+                    <a:p>
+                      <a:pPr indent="0" algn="ctr">
+                        <a:buNone/>
+                      </a:pPr>
+                      <a:r>
+                        <a:rPr lang="en-US" sz="1400"/>
+                        <a:t>510</a:t>
+                      </a:r>
+                      <a:endParaRPr lang="en-US" altLang="en-US" sz="1400"/>
+                    </a:p>
+                  </a:txBody>
+                  <a:tcPr marL="68580" marR="68580" marT="0" marB="0" vert="horz" anchor="ctr" anchorCtr="0"/>
+                </a:tc>
+              </a:tr>
+              <a:tr h="412750">
+                <a:tc rowSpan="3">
+                  <a:txBody>
+                    <a:bodyPr/>
+                    <a:p>
+                      <a:pPr indent="0" algn="ctr">
+                        <a:buNone/>
+                      </a:pPr>
+                      <a:r>
+                        <a:rPr lang="en-US" sz="1400"/>
+                        <a:t>纯图片特征</a:t>
+                      </a:r>
+                      <a:endParaRPr lang="en-US" sz="1400"/>
+                    </a:p>
+                  </a:txBody>
+                  <a:tcPr marL="68580" marR="68580" marT="0" marB="0" vert="horz" anchor="ctr" anchorCtr="0"/>
+                </a:tc>
+                <a:tc>
+                  <a:txBody>
+                    <a:bodyPr/>
+                    <a:p>
+                      <a:pPr indent="0" algn="ctr">
+                        <a:buNone/>
+                      </a:pPr>
+                      <a:r>
+                        <a:rPr lang="en-US" sz="1400"/>
+                        <a:t>BMG</a:t>
+                      </a:r>
+                      <a:endParaRPr lang="en-US" altLang="en-US" sz="1400"/>
+                    </a:p>
+                  </a:txBody>
+                  <a:tcPr marL="68580" marR="68580" marT="0" marB="0" vert="horz" anchor="ctr" anchorCtr="0"/>
+                </a:tc>
+                <a:tc>
+                  <a:txBody>
+                    <a:bodyPr/>
+                    <a:p>
+                      <a:pPr indent="0" algn="ctr">
+                        <a:buNone/>
+                      </a:pPr>
+                      <a:r>
+                        <a:rPr lang="en-US" sz="1400"/>
+                        <a:t>0.6813</a:t>
+                      </a:r>
+                      <a:endParaRPr lang="en-US" altLang="en-US" sz="1400"/>
+                    </a:p>
+                  </a:txBody>
+                  <a:tcPr marL="68580" marR="68580" marT="0" marB="0" vert="horz" anchor="ctr" anchorCtr="0"/>
+                </a:tc>
+                <a:tc>
+                  <a:txBody>
+                    <a:bodyPr/>
+                    <a:p>
+                      <a:pPr indent="0" algn="ctr">
+                        <a:buNone/>
+                      </a:pPr>
+                      <a:r>
+                        <a:rPr lang="en-US" sz="1400"/>
+                        <a:t>0.6682</a:t>
+                      </a:r>
+                      <a:endParaRPr lang="en-US" altLang="en-US" sz="1400"/>
+                    </a:p>
+                  </a:txBody>
+                  <a:tcPr marL="68580" marR="68580" marT="0" marB="0" vert="horz" anchor="ctr" anchorCtr="0"/>
+                </a:tc>
+                <a:tc>
+                  <a:txBody>
+                    <a:bodyPr/>
+                    <a:p>
+                      <a:pPr indent="0" algn="ctr">
+                        <a:buNone/>
+                      </a:pPr>
+                      <a:r>
+                        <a:rPr lang="en-US" sz="1400"/>
+                        <a:t>0.6763</a:t>
+                      </a:r>
+                      <a:endParaRPr lang="en-US" altLang="en-US" sz="1400"/>
+                    </a:p>
+                  </a:txBody>
+                  <a:tcPr marL="68580" marR="68580" marT="0" marB="0" vert="horz" anchor="ctr" anchorCtr="0"/>
+                </a:tc>
+                <a:tc>
+                  <a:txBody>
+                    <a:bodyPr/>
+                    <a:p>
+                      <a:pPr indent="0" algn="ctr">
+                        <a:buNone/>
+                      </a:pPr>
+                      <a:r>
+                        <a:rPr lang="en-US" sz="1400"/>
+                        <a:t>208</a:t>
+                      </a:r>
+                      <a:endParaRPr lang="en-US" altLang="en-US" sz="1400"/>
+                    </a:p>
+                  </a:txBody>
+                  <a:tcPr marL="68580" marR="68580" marT="0" marB="0" vert="horz" anchor="ctr" anchorCtr="0"/>
+                </a:tc>
+              </a:tr>
+              <a:tr h="443865">
+                <a:tc vMerge="1">
+                  <a:tcPr marL="68580" marR="68580" marT="0" marB="0" vert="horz" anchor="ctr" anchorCtr="0"/>
+                </a:tc>
+                <a:tc>
+                  <a:txBody>
+                    <a:bodyPr/>
+                    <a:p>
+                      <a:pPr indent="0" algn="ctr">
+                        <a:buNone/>
+                      </a:pPr>
+                      <a:r>
+                        <a:rPr lang="en-US" sz="1400"/>
+                        <a:t>RMG</a:t>
+                      </a:r>
+                      <a:endParaRPr lang="en-US" altLang="en-US" sz="1400"/>
+                    </a:p>
+                  </a:txBody>
+                  <a:tcPr marL="68580" marR="68580" marT="0" marB="0" vert="horz" anchor="ctr" anchorCtr="0"/>
+                </a:tc>
+                <a:tc>
+                  <a:txBody>
+                    <a:bodyPr/>
+                    <a:p>
+                      <a:pPr indent="0" algn="ctr">
+                        <a:buNone/>
+                      </a:pPr>
+                      <a:r>
+                        <a:rPr lang="en-US" sz="1400"/>
+                        <a:t>0.7676</a:t>
+                      </a:r>
+                      <a:endParaRPr lang="en-US" altLang="en-US" sz="1400"/>
+                    </a:p>
+                  </a:txBody>
+                  <a:tcPr marL="68580" marR="68580" marT="0" marB="0" vert="horz" anchor="ctr" anchorCtr="0"/>
+                </a:tc>
+                <a:tc>
+                  <a:txBody>
+                    <a:bodyPr/>
+                    <a:p>
+                      <a:pPr indent="0" algn="ctr">
+                        <a:buNone/>
+                      </a:pPr>
+                      <a:r>
+                        <a:rPr lang="en-US" sz="1400"/>
+                        <a:t>0.8874</a:t>
+                      </a:r>
+                      <a:endParaRPr lang="en-US" altLang="en-US" sz="1400"/>
+                    </a:p>
+                  </a:txBody>
+                  <a:tcPr marL="68580" marR="68580" marT="0" marB="0" vert="horz" anchor="ctr" anchorCtr="0"/>
+                </a:tc>
+                <a:tc>
+                  <a:txBody>
+                    <a:bodyPr/>
+                    <a:p>
+                      <a:pPr indent="0" algn="ctr">
+                        <a:buNone/>
+                      </a:pPr>
+                      <a:r>
+                        <a:rPr lang="en-US" sz="1400"/>
+                        <a:t>0.8218</a:t>
+                      </a:r>
+                      <a:endParaRPr lang="en-US" altLang="en-US" sz="1400"/>
+                    </a:p>
+                  </a:txBody>
+                  <a:tcPr marL="68580" marR="68580" marT="0" marB="0" vert="horz" anchor="ctr" anchorCtr="0"/>
+                </a:tc>
+                <a:tc>
+                  <a:txBody>
+                    <a:bodyPr/>
+                    <a:p>
+                      <a:pPr indent="0" algn="ctr">
+                        <a:buNone/>
+                      </a:pPr>
+                      <a:r>
+                        <a:rPr lang="en-US" sz="1400"/>
+                        <a:t>1241</a:t>
+                      </a:r>
+                      <a:endParaRPr lang="en-US" altLang="en-US" sz="1400"/>
+                    </a:p>
+                  </a:txBody>
+                  <a:tcPr marL="68580" marR="68580" marT="0" marB="0" vert="horz" anchor="ctr" anchorCtr="0"/>
+                </a:tc>
+              </a:tr>
+              <a:tr h="444500">
+                <a:tc vMerge="1">
+                  <a:tcPr marL="68580" marR="68580" marT="0" marB="0" vert="horz" anchor="ctr" anchorCtr="0"/>
+                </a:tc>
+                <a:tc>
+                  <a:txBody>
+                    <a:bodyPr/>
+                    <a:p>
+                      <a:pPr indent="0" algn="ctr">
+                        <a:buNone/>
+                      </a:pPr>
+                      <a:r>
+                        <a:rPr lang="en-US" sz="1400"/>
+                        <a:t>CRA</a:t>
+                      </a:r>
+                      <a:endParaRPr lang="en-US" altLang="en-US" sz="1400"/>
+                    </a:p>
+                  </a:txBody>
+                  <a:tcPr marL="68580" marR="68580" marT="0" marB="0" vert="horz" anchor="ctr" anchorCtr="0"/>
+                </a:tc>
+                <a:tc>
+                  <a:txBody>
+                    <a:bodyPr/>
+                    <a:p>
+                      <a:pPr indent="0" algn="ctr">
+                        <a:buNone/>
+                      </a:pPr>
+                      <a:r>
+                        <a:rPr lang="en-US" sz="1400"/>
+                        <a:t>0.7208</a:t>
+                      </a:r>
+                      <a:endParaRPr lang="en-US" altLang="en-US" sz="1400"/>
+                    </a:p>
+                  </a:txBody>
+                  <a:tcPr marL="68580" marR="68580" marT="0" marB="0" vert="horz" anchor="ctr" anchorCtr="0"/>
+                </a:tc>
+                <a:tc>
+                  <a:txBody>
+                    <a:bodyPr/>
+                    <a:p>
+                      <a:pPr indent="0" algn="ctr">
+                        <a:buNone/>
+                      </a:pPr>
+                      <a:r>
+                        <a:rPr lang="en-US" sz="1400"/>
+                        <a:t>0.4588</a:t>
+                      </a:r>
+                      <a:endParaRPr lang="en-US" altLang="en-US" sz="1400"/>
+                    </a:p>
+                  </a:txBody>
+                  <a:tcPr marL="68580" marR="68580" marT="0" marB="0" vert="horz" anchor="ctr" anchorCtr="0"/>
+                </a:tc>
+                <a:tc>
+                  <a:txBody>
+                    <a:bodyPr/>
+                    <a:p>
+                      <a:pPr indent="0" algn="ctr">
+                        <a:buNone/>
+                      </a:pPr>
+                      <a:r>
+                        <a:rPr lang="en-US" sz="1400"/>
+                        <a:t>0.5604</a:t>
+                      </a:r>
+                      <a:endParaRPr lang="en-US" altLang="en-US" sz="1400"/>
+                    </a:p>
+                  </a:txBody>
+                  <a:tcPr marL="68580" marR="68580" marT="0" marB="0" vert="horz" anchor="ctr" anchorCtr="0"/>
+                </a:tc>
+                <a:tc>
+                  <a:txBody>
+                    <a:bodyPr/>
+                    <a:p>
+                      <a:pPr indent="0" algn="ctr">
+                        <a:buNone/>
+                      </a:pPr>
+                      <a:r>
+                        <a:rPr lang="en-US" sz="1400"/>
+                        <a:t>510</a:t>
+                      </a:r>
+                      <a:endParaRPr lang="en-US" altLang="en-US" sz="1400"/>
+                    </a:p>
+                  </a:txBody>
+                  <a:tcPr marL="68580" marR="68580" marT="0" marB="0" vert="horz" anchor="ctr" anchorCtr="0"/>
+                </a:tc>
+              </a:tr>
+              <a:tr h="443865">
+                <a:tc rowSpan="3">
+                  <a:txBody>
+                    <a:bodyPr/>
+                    <a:p>
+                      <a:pPr indent="0" algn="ctr">
+                        <a:buNone/>
+                      </a:pPr>
+                      <a:r>
+                        <a:rPr lang="en-US" sz="1400"/>
+                        <a:t>多模态特征</a:t>
+                      </a:r>
+                      <a:endParaRPr lang="en-US" sz="1400"/>
+                    </a:p>
+                  </a:txBody>
+                  <a:tcPr marL="68580" marR="68580" marT="0" marB="0" vert="horz" anchor="ctr" anchorCtr="0"/>
+                </a:tc>
+                <a:tc>
+                  <a:txBody>
+                    <a:bodyPr/>
+                    <a:p>
+                      <a:pPr indent="0" algn="ctr">
+                        <a:buNone/>
+                      </a:pPr>
+                      <a:r>
+                        <a:rPr lang="en-US" sz="1400"/>
+                        <a:t>BMG</a:t>
+                      </a:r>
+                      <a:endParaRPr lang="en-US" altLang="en-US" sz="1400"/>
+                    </a:p>
+                  </a:txBody>
+                  <a:tcPr marL="68580" marR="68580" marT="0" marB="0" vert="horz" anchor="ctr" anchorCtr="0"/>
+                </a:tc>
+                <a:tc>
+                  <a:txBody>
+                    <a:bodyPr/>
+                    <a:p>
+                      <a:pPr indent="0" algn="ctr">
+                        <a:buNone/>
+                      </a:pPr>
+                      <a:r>
+                        <a:rPr lang="en-US" sz="1400" b="1">
+                          <a:solidFill>
+                            <a:srgbClr val="FF0000"/>
+                          </a:solidFill>
+                        </a:rPr>
+                        <a:t>0.9585</a:t>
+                      </a:r>
+                      <a:endParaRPr lang="en-US" altLang="en-US" sz="1400" b="1">
+                        <a:solidFill>
+                          <a:srgbClr val="FF0000"/>
+                        </a:solidFill>
+                      </a:endParaRPr>
+                    </a:p>
+                  </a:txBody>
+                  <a:tcPr marL="68580" marR="68580" marT="0" marB="0" vert="horz" anchor="ctr" anchorCtr="0"/>
+                </a:tc>
+                <a:tc>
+                  <a:txBody>
+                    <a:bodyPr/>
+                    <a:p>
+                      <a:pPr indent="0" algn="ctr">
+                        <a:buNone/>
+                      </a:pPr>
+                      <a:r>
+                        <a:rPr lang="en-US" sz="1400" b="1">
+                          <a:solidFill>
+                            <a:srgbClr val="FF0000"/>
+                          </a:solidFill>
+                        </a:rPr>
+                        <a:t>0.8894</a:t>
+                      </a:r>
+                      <a:endParaRPr lang="en-US" altLang="en-US" sz="1400" b="1">
+                        <a:solidFill>
+                          <a:srgbClr val="FF0000"/>
+                        </a:solidFill>
+                      </a:endParaRPr>
+                    </a:p>
+                  </a:txBody>
+                  <a:tcPr marL="68580" marR="68580" marT="0" marB="0" vert="horz" anchor="ctr" anchorCtr="0"/>
+                </a:tc>
+                <a:tc>
+                  <a:txBody>
+                    <a:bodyPr/>
+                    <a:p>
+                      <a:pPr indent="0" algn="ctr">
+                        <a:buNone/>
+                      </a:pPr>
+                      <a:r>
+                        <a:rPr lang="en-US" sz="1400" b="1">
+                          <a:solidFill>
+                            <a:srgbClr val="FF0000"/>
+                          </a:solidFill>
+                        </a:rPr>
+                        <a:t>0.9226</a:t>
+                      </a:r>
+                      <a:endParaRPr lang="en-US" altLang="en-US" sz="1400" b="1">
+                        <a:solidFill>
+                          <a:srgbClr val="FF0000"/>
+                        </a:solidFill>
+                      </a:endParaRPr>
+                    </a:p>
+                  </a:txBody>
+                  <a:tcPr marL="68580" marR="68580" marT="0" marB="0" vert="horz" anchor="ctr" anchorCtr="0"/>
+                </a:tc>
+                <a:tc>
+                  <a:txBody>
+                    <a:bodyPr/>
+                    <a:p>
+                      <a:pPr indent="0" algn="ctr">
+                        <a:buNone/>
+                      </a:pPr>
+                      <a:r>
+                        <a:rPr lang="en-US" sz="1400"/>
+                        <a:t>208</a:t>
+                      </a:r>
+                      <a:endParaRPr lang="en-US" altLang="en-US" sz="1400"/>
+                    </a:p>
+                  </a:txBody>
+                  <a:tcPr marL="68580" marR="68580" marT="0" marB="0" vert="horz" anchor="ctr" anchorCtr="0"/>
+                </a:tc>
+              </a:tr>
+              <a:tr h="412750">
+                <a:tc vMerge="1">
+                  <a:tcPr marL="68580" marR="68580" marT="0" marB="0" vert="horz" anchor="ctr" anchorCtr="0"/>
+                </a:tc>
+                <a:tc>
+                  <a:txBody>
+                    <a:bodyPr/>
+                    <a:p>
+                      <a:pPr indent="0" algn="ctr">
+                        <a:buNone/>
+                      </a:pPr>
+                      <a:r>
+                        <a:rPr lang="en-US" sz="1400"/>
+                        <a:t>RMG</a:t>
+                      </a:r>
+                      <a:endParaRPr lang="en-US" altLang="en-US" sz="1400"/>
+                    </a:p>
+                  </a:txBody>
+                  <a:tcPr marL="68580" marR="68580" marT="0" marB="0" vert="horz" anchor="ctr" anchorCtr="0"/>
+                </a:tc>
+                <a:tc>
+                  <a:txBody>
+                    <a:bodyPr/>
+                    <a:p>
+                      <a:pPr indent="0" algn="ctr">
+                        <a:buNone/>
+                      </a:pPr>
+                      <a:r>
+                        <a:rPr lang="en-US" sz="1400" b="1">
+                          <a:solidFill>
+                            <a:srgbClr val="FF0000"/>
+                          </a:solidFill>
+                        </a:rPr>
+                        <a:t>0.8809</a:t>
+                      </a:r>
+                      <a:endParaRPr lang="en-US" altLang="en-US" sz="1400" b="1">
+                        <a:solidFill>
+                          <a:srgbClr val="FF0000"/>
+                        </a:solidFill>
+                      </a:endParaRPr>
+                    </a:p>
+                  </a:txBody>
+                  <a:tcPr marL="68580" marR="68580" marT="0" marB="0" vert="horz" anchor="ctr" anchorCtr="0"/>
+                </a:tc>
+                <a:tc>
+                  <a:txBody>
+                    <a:bodyPr/>
+                    <a:p>
+                      <a:pPr indent="0" algn="ctr">
+                        <a:buNone/>
+                      </a:pPr>
+                      <a:r>
+                        <a:rPr lang="en-US" sz="1400" b="1">
+                          <a:solidFill>
+                            <a:srgbClr val="FF0000"/>
+                          </a:solidFill>
+                        </a:rPr>
+                        <a:t>0.9363</a:t>
+                      </a:r>
+                      <a:endParaRPr lang="en-US" altLang="en-US" sz="1400" b="1">
+                        <a:solidFill>
+                          <a:srgbClr val="FF0000"/>
+                        </a:solidFill>
+                      </a:endParaRPr>
+                    </a:p>
+                  </a:txBody>
+                  <a:tcPr marL="68580" marR="68580" marT="0" marB="0" vert="horz" anchor="ctr" anchorCtr="0"/>
+                </a:tc>
+                <a:tc>
+                  <a:txBody>
+                    <a:bodyPr/>
+                    <a:p>
+                      <a:pPr indent="0" algn="ctr">
+                        <a:buNone/>
+                      </a:pPr>
+                      <a:r>
+                        <a:rPr lang="en-US" sz="1400" b="1">
+                          <a:solidFill>
+                            <a:srgbClr val="FF0000"/>
+                          </a:solidFill>
+                        </a:rPr>
+                        <a:t>0.9078</a:t>
+                      </a:r>
+                      <a:endParaRPr lang="en-US" altLang="en-US" sz="1400" b="1">
+                        <a:solidFill>
+                          <a:srgbClr val="FF0000"/>
+                        </a:solidFill>
+                      </a:endParaRPr>
+                    </a:p>
+                  </a:txBody>
+                  <a:tcPr marL="68580" marR="68580" marT="0" marB="0" vert="horz" anchor="ctr" anchorCtr="0"/>
+                </a:tc>
+                <a:tc>
+                  <a:txBody>
+                    <a:bodyPr/>
+                    <a:p>
+                      <a:pPr indent="0" algn="ctr">
+                        <a:buNone/>
+                      </a:pPr>
+                      <a:r>
+                        <a:rPr lang="en-US" sz="1400"/>
+                        <a:t>1241</a:t>
+                      </a:r>
+                      <a:endParaRPr lang="en-US" altLang="en-US" sz="1400"/>
+                    </a:p>
+                  </a:txBody>
+                  <a:tcPr marL="68580" marR="68580" marT="0" marB="0" vert="horz" anchor="ctr" anchorCtr="0"/>
+                </a:tc>
+              </a:tr>
+              <a:tr h="443865">
+                <a:tc vMerge="1">
+                  <a:tcPr marL="68580" marR="68580" marT="0" marB="0" vert="horz" anchor="ctr" anchorCtr="0"/>
+                </a:tc>
+                <a:tc>
+                  <a:txBody>
+                    <a:bodyPr/>
+                    <a:p>
+                      <a:pPr indent="0" algn="ctr">
+                        <a:buNone/>
+                      </a:pPr>
+                      <a:r>
+                        <a:rPr lang="en-US" sz="1400"/>
+                        <a:t>CRA</a:t>
+                      </a:r>
+                      <a:endParaRPr lang="en-US" altLang="en-US" sz="1400"/>
+                    </a:p>
+                  </a:txBody>
+                  <a:tcPr marL="68580" marR="68580" marT="0" marB="0" vert="horz" anchor="ctr" anchorCtr="0"/>
+                </a:tc>
+                <a:tc>
+                  <a:txBody>
+                    <a:bodyPr/>
+                    <a:p>
+                      <a:pPr indent="0" algn="ctr">
+                        <a:buNone/>
+                      </a:pPr>
+                      <a:r>
+                        <a:rPr lang="en-US" sz="1400" b="1">
+                          <a:solidFill>
+                            <a:srgbClr val="FF0000"/>
+                          </a:solidFill>
+                        </a:rPr>
+                        <a:t>0.8322</a:t>
+                      </a:r>
+                      <a:endParaRPr lang="en-US" altLang="en-US" sz="1400" b="1">
+                        <a:solidFill>
+                          <a:srgbClr val="FF0000"/>
+                        </a:solidFill>
+                      </a:endParaRPr>
+                    </a:p>
+                  </a:txBody>
+                  <a:tcPr marL="68580" marR="68580" marT="0" marB="0" vert="horz" anchor="ctr" anchorCtr="0"/>
+                </a:tc>
+                <a:tc>
+                  <a:txBody>
+                    <a:bodyPr/>
+                    <a:p>
+                      <a:pPr indent="0" algn="ctr">
+                        <a:buNone/>
+                      </a:pPr>
+                      <a:r>
+                        <a:rPr lang="en-US" sz="1400" b="1">
+                          <a:solidFill>
+                            <a:srgbClr val="FF0000"/>
+                          </a:solidFill>
+                        </a:rPr>
+                        <a:t>0.7294</a:t>
+                      </a:r>
+                      <a:endParaRPr lang="en-US" altLang="en-US" sz="1400" b="1">
+                        <a:solidFill>
+                          <a:srgbClr val="FF0000"/>
+                        </a:solidFill>
+                      </a:endParaRPr>
+                    </a:p>
+                  </a:txBody>
+                  <a:tcPr marL="68580" marR="68580" marT="0" marB="0" vert="horz" anchor="ctr" anchorCtr="0"/>
+                </a:tc>
+                <a:tc>
+                  <a:txBody>
+                    <a:bodyPr/>
+                    <a:p>
+                      <a:pPr indent="0" algn="ctr">
+                        <a:buNone/>
+                      </a:pPr>
+                      <a:r>
+                        <a:rPr lang="en-US" sz="1400" b="1">
+                          <a:solidFill>
+                            <a:srgbClr val="FF0000"/>
+                          </a:solidFill>
+                        </a:rPr>
+                        <a:t>0.7774</a:t>
+                      </a:r>
+                      <a:endParaRPr lang="en-US" altLang="en-US" sz="1400" b="1">
+                        <a:solidFill>
+                          <a:srgbClr val="FF0000"/>
+                        </a:solidFill>
+                      </a:endParaRPr>
+                    </a:p>
+                  </a:txBody>
+                  <a:tcPr marL="68580" marR="68580" marT="0" marB="0" vert="horz" anchor="ctr" anchorCtr="0"/>
+                </a:tc>
+                <a:tc>
+                  <a:txBody>
+                    <a:bodyPr/>
+                    <a:p>
+                      <a:pPr indent="0" algn="ctr">
+                        <a:buNone/>
+                      </a:pPr>
+                      <a:r>
+                        <a:rPr lang="en-US" sz="1400"/>
+                        <a:t>510</a:t>
+                      </a:r>
+                      <a:endParaRPr lang="en-US" altLang="en-US" sz="1400"/>
+                    </a:p>
+                  </a:txBody>
+                  <a:tcPr marL="68580" marR="68580" marT="0" marB="0" vert="horz" anchor="ctr" anchorCtr="0"/>
+                </a:tc>
+              </a:tr>
+            </a:tbl>
+          </a:graphicData>
+        </a:graphic>
+      </p:graphicFrame>
+    </p:spTree>
+  </p:cSld>
+  <p:clrMapOvr>
+    <a:masterClrMapping/>
+  </p:clrMapOvr>
+  <p:transition spd="med">
+    <p:cut/>
+  </p:transition>
+</p:sld>
+</file>
+
 <file path=ppt/tags/tag1.xml><?xml version="1.0" encoding="utf-8"?>
 <p:tagLst xmlns:p="http://schemas.openxmlformats.org/presentationml/2006/main">
   <p:tag name="KSO_WM_SLIDE_MODEL_TYPE" val="cover"/>
